--- a/print/apcsa_9_3.pptx
+++ b/print/apcsa_9_3.pptx
@@ -5684,7 +5684,7 @@
         <p:spPr>
           <a:xfrm>
             <a:off x="547192" y="1352602"/>
-            <a:ext cx="6078114" cy="1800325"/>
+            <a:ext cx="6078114" cy="1978125"/>
           </a:xfrm>
           <a:prstGeom prst="rect">
             <a:avLst/>
@@ -5857,7 +5857,7 @@
               </a:defRPr>
             </a:pPr>
             <a:r>
-              <a:t>How could you represent </a:t>
+              <a:t>How does the  </a:t>
             </a:r>
             <a:r>
               <a:rPr>
@@ -5869,7 +5869,11 @@
               <a:t>bsearch</a:t>
             </a:r>
             <a:r>
-              <a:t> visually?</a:t>
+              <a:t> algorithm work (hint: think about </a:t>
+            </a:r>
+            <a:br/>
+            <a:r>
+              <a:t>tearing up dictionaries)?</a:t>
             </a:r>
           </a:p>
         </p:txBody>
@@ -6904,8 +6908,8 @@
       </p:par>
     </p:tnLst>
     <p:bldLst>
+      <p:bldP build="whole" bldLvl="1" animBg="1" rev="0" advAuto="0" spid="221" grpId="1"/>
       <p:bldP build="whole" bldLvl="1" animBg="1" rev="0" advAuto="0" spid="220" grpId="2"/>
-      <p:bldP build="whole" bldLvl="1" animBg="1" rev="0" advAuto="0" spid="221" grpId="1"/>
     </p:bldLst>
   </p:timing>
 </p:sld>
